--- a/powerpoint/Session2.pptx
+++ b/powerpoint/Session2.pptx
@@ -139,83 +139,6 @@
 
 <file path=ppt/changesInfos/changesInfo1.xml><?xml version="1.0" encoding="utf-8"?>
 <pc:chgInfo xmlns:a="http://schemas.openxmlformats.org/drawingml/2006/main" xmlns:r="http://schemas.openxmlformats.org/officeDocument/2006/relationships" xmlns:ac="http://schemas.microsoft.com/office/drawing/2013/main/command" xmlns:pc="http://schemas.microsoft.com/office/powerpoint/2013/main/command">
-  <pc:docChgLst>
-    <pc:chgData name="Srinivasa Rao" userId="a6b54366-f13d-4292-8bb4-f06c50909b1e" providerId="ADAL" clId="{CF7D4108-D40D-A74D-804B-296130AF4168}"/>
-    <pc:docChg chg="custSel addSld modSld sldOrd">
-      <pc:chgData name="Srinivasa Rao" userId="a6b54366-f13d-4292-8bb4-f06c50909b1e" providerId="ADAL" clId="{CF7D4108-D40D-A74D-804B-296130AF4168}" dt="2023-10-11T11:42:12.383" v="70" actId="20577"/>
-      <pc:docMkLst>
-        <pc:docMk/>
-      </pc:docMkLst>
-      <pc:sldChg chg="modSp mod">
-        <pc:chgData name="Srinivasa Rao" userId="a6b54366-f13d-4292-8bb4-f06c50909b1e" providerId="ADAL" clId="{CF7D4108-D40D-A74D-804B-296130AF4168}" dt="2023-10-10T07:57:21.749" v="3" actId="27636"/>
-        <pc:sldMkLst>
-          <pc:docMk/>
-          <pc:sldMk cId="0" sldId="256"/>
-        </pc:sldMkLst>
-        <pc:spChg chg="mod">
-          <ac:chgData name="Srinivasa Rao" userId="a6b54366-f13d-4292-8bb4-f06c50909b1e" providerId="ADAL" clId="{CF7D4108-D40D-A74D-804B-296130AF4168}" dt="2023-10-10T07:57:21.749" v="3" actId="27636"/>
-          <ac:spMkLst>
-            <pc:docMk/>
-            <pc:sldMk cId="0" sldId="256"/>
-            <ac:spMk id="228" creationId="{00000000-0000-0000-0000-000000000000}"/>
-          </ac:spMkLst>
-        </pc:spChg>
-        <pc:spChg chg="mod">
-          <ac:chgData name="Srinivasa Rao" userId="a6b54366-f13d-4292-8bb4-f06c50909b1e" providerId="ADAL" clId="{CF7D4108-D40D-A74D-804B-296130AF4168}" dt="2023-10-10T07:57:07.155" v="0"/>
-          <ac:spMkLst>
-            <pc:docMk/>
-            <pc:sldMk cId="0" sldId="256"/>
-            <ac:spMk id="229" creationId="{00000000-0000-0000-0000-000000000000}"/>
-          </ac:spMkLst>
-        </pc:spChg>
-      </pc:sldChg>
-      <pc:sldChg chg="modSp mod">
-        <pc:chgData name="Srinivasa Rao" userId="a6b54366-f13d-4292-8bb4-f06c50909b1e" providerId="ADAL" clId="{CF7D4108-D40D-A74D-804B-296130AF4168}" dt="2023-10-10T07:57:21.726" v="2" actId="27636"/>
-        <pc:sldMkLst>
-          <pc:docMk/>
-          <pc:sldMk cId="0" sldId="260"/>
-        </pc:sldMkLst>
-        <pc:spChg chg="mod">
-          <ac:chgData name="Srinivasa Rao" userId="a6b54366-f13d-4292-8bb4-f06c50909b1e" providerId="ADAL" clId="{CF7D4108-D40D-A74D-804B-296130AF4168}" dt="2023-10-10T07:57:21.726" v="2" actId="27636"/>
-          <ac:spMkLst>
-            <pc:docMk/>
-            <pc:sldMk cId="0" sldId="260"/>
-            <ac:spMk id="239" creationId="{00000000-0000-0000-0000-000000000000}"/>
-          </ac:spMkLst>
-        </pc:spChg>
-      </pc:sldChg>
-      <pc:sldChg chg="modSp mod">
-        <pc:chgData name="Srinivasa Rao" userId="a6b54366-f13d-4292-8bb4-f06c50909b1e" providerId="ADAL" clId="{CF7D4108-D40D-A74D-804B-296130AF4168}" dt="2023-10-11T11:42:12.383" v="70" actId="20577"/>
-        <pc:sldMkLst>
-          <pc:docMk/>
-          <pc:sldMk cId="0" sldId="272"/>
-        </pc:sldMkLst>
-        <pc:spChg chg="mod">
-          <ac:chgData name="Srinivasa Rao" userId="a6b54366-f13d-4292-8bb4-f06c50909b1e" providerId="ADAL" clId="{CF7D4108-D40D-A74D-804B-296130AF4168}" dt="2023-10-11T11:42:12.383" v="70" actId="20577"/>
-          <ac:spMkLst>
-            <pc:docMk/>
-            <pc:sldMk cId="0" sldId="272"/>
-            <ac:spMk id="287" creationId="{00000000-0000-0000-0000-000000000000}"/>
-          </ac:spMkLst>
-        </pc:spChg>
-      </pc:sldChg>
-      <pc:sldChg chg="modSp add mod ord">
-        <pc:chgData name="Srinivasa Rao" userId="a6b54366-f13d-4292-8bb4-f06c50909b1e" providerId="ADAL" clId="{CF7D4108-D40D-A74D-804B-296130AF4168}" dt="2023-10-10T07:57:48.161" v="68" actId="20577"/>
-        <pc:sldMkLst>
-          <pc:docMk/>
-          <pc:sldMk cId="0" sldId="276"/>
-        </pc:sldMkLst>
-        <pc:spChg chg="mod">
-          <ac:chgData name="Srinivasa Rao" userId="a6b54366-f13d-4292-8bb4-f06c50909b1e" providerId="ADAL" clId="{CF7D4108-D40D-A74D-804B-296130AF4168}" dt="2023-10-10T07:57:48.161" v="68" actId="20577"/>
-          <ac:spMkLst>
-            <pc:docMk/>
-            <pc:sldMk cId="0" sldId="276"/>
-            <ac:spMk id="228" creationId="{00000000-0000-0000-0000-000000000000}"/>
-          </ac:spMkLst>
-        </pc:spChg>
-      </pc:sldChg>
-    </pc:docChg>
-  </pc:docChgLst>
   <pc:docChgLst>
     <pc:chgData name="Srinivasa Rao" userId="a6b54366-f13d-4292-8bb4-f06c50909b1e" providerId="ADAL" clId="{04F9AAA1-B112-1C40-B1A3-4348437AC9BD}"/>
     <pc:docChg chg="modSld">
@@ -866,6 +789,83 @@
       </pc:sldChg>
     </pc:docChg>
   </pc:docChgLst>
+  <pc:docChgLst>
+    <pc:chgData name="Srinivasa Rao" userId="a6b54366-f13d-4292-8bb4-f06c50909b1e" providerId="ADAL" clId="{CF7D4108-D40D-A74D-804B-296130AF4168}"/>
+    <pc:docChg chg="custSel addSld modSld sldOrd">
+      <pc:chgData name="Srinivasa Rao" userId="a6b54366-f13d-4292-8bb4-f06c50909b1e" providerId="ADAL" clId="{CF7D4108-D40D-A74D-804B-296130AF4168}" dt="2023-10-11T11:42:12.383" v="70" actId="20577"/>
+      <pc:docMkLst>
+        <pc:docMk/>
+      </pc:docMkLst>
+      <pc:sldChg chg="modSp mod">
+        <pc:chgData name="Srinivasa Rao" userId="a6b54366-f13d-4292-8bb4-f06c50909b1e" providerId="ADAL" clId="{CF7D4108-D40D-A74D-804B-296130AF4168}" dt="2023-10-10T07:57:21.749" v="3" actId="27636"/>
+        <pc:sldMkLst>
+          <pc:docMk/>
+          <pc:sldMk cId="0" sldId="256"/>
+        </pc:sldMkLst>
+        <pc:spChg chg="mod">
+          <ac:chgData name="Srinivasa Rao" userId="a6b54366-f13d-4292-8bb4-f06c50909b1e" providerId="ADAL" clId="{CF7D4108-D40D-A74D-804B-296130AF4168}" dt="2023-10-10T07:57:21.749" v="3" actId="27636"/>
+          <ac:spMkLst>
+            <pc:docMk/>
+            <pc:sldMk cId="0" sldId="256"/>
+            <ac:spMk id="228" creationId="{00000000-0000-0000-0000-000000000000}"/>
+          </ac:spMkLst>
+        </pc:spChg>
+        <pc:spChg chg="mod">
+          <ac:chgData name="Srinivasa Rao" userId="a6b54366-f13d-4292-8bb4-f06c50909b1e" providerId="ADAL" clId="{CF7D4108-D40D-A74D-804B-296130AF4168}" dt="2023-10-10T07:57:07.155" v="0"/>
+          <ac:spMkLst>
+            <pc:docMk/>
+            <pc:sldMk cId="0" sldId="256"/>
+            <ac:spMk id="229" creationId="{00000000-0000-0000-0000-000000000000}"/>
+          </ac:spMkLst>
+        </pc:spChg>
+      </pc:sldChg>
+      <pc:sldChg chg="modSp mod">
+        <pc:chgData name="Srinivasa Rao" userId="a6b54366-f13d-4292-8bb4-f06c50909b1e" providerId="ADAL" clId="{CF7D4108-D40D-A74D-804B-296130AF4168}" dt="2023-10-10T07:57:21.726" v="2" actId="27636"/>
+        <pc:sldMkLst>
+          <pc:docMk/>
+          <pc:sldMk cId="0" sldId="260"/>
+        </pc:sldMkLst>
+        <pc:spChg chg="mod">
+          <ac:chgData name="Srinivasa Rao" userId="a6b54366-f13d-4292-8bb4-f06c50909b1e" providerId="ADAL" clId="{CF7D4108-D40D-A74D-804B-296130AF4168}" dt="2023-10-10T07:57:21.726" v="2" actId="27636"/>
+          <ac:spMkLst>
+            <pc:docMk/>
+            <pc:sldMk cId="0" sldId="260"/>
+            <ac:spMk id="239" creationId="{00000000-0000-0000-0000-000000000000}"/>
+          </ac:spMkLst>
+        </pc:spChg>
+      </pc:sldChg>
+      <pc:sldChg chg="modSp mod">
+        <pc:chgData name="Srinivasa Rao" userId="a6b54366-f13d-4292-8bb4-f06c50909b1e" providerId="ADAL" clId="{CF7D4108-D40D-A74D-804B-296130AF4168}" dt="2023-10-11T11:42:12.383" v="70" actId="20577"/>
+        <pc:sldMkLst>
+          <pc:docMk/>
+          <pc:sldMk cId="0" sldId="272"/>
+        </pc:sldMkLst>
+        <pc:spChg chg="mod">
+          <ac:chgData name="Srinivasa Rao" userId="a6b54366-f13d-4292-8bb4-f06c50909b1e" providerId="ADAL" clId="{CF7D4108-D40D-A74D-804B-296130AF4168}" dt="2023-10-11T11:42:12.383" v="70" actId="20577"/>
+          <ac:spMkLst>
+            <pc:docMk/>
+            <pc:sldMk cId="0" sldId="272"/>
+            <ac:spMk id="287" creationId="{00000000-0000-0000-0000-000000000000}"/>
+          </ac:spMkLst>
+        </pc:spChg>
+      </pc:sldChg>
+      <pc:sldChg chg="modSp add mod ord">
+        <pc:chgData name="Srinivasa Rao" userId="a6b54366-f13d-4292-8bb4-f06c50909b1e" providerId="ADAL" clId="{CF7D4108-D40D-A74D-804B-296130AF4168}" dt="2023-10-10T07:57:48.161" v="68" actId="20577"/>
+        <pc:sldMkLst>
+          <pc:docMk/>
+          <pc:sldMk cId="0" sldId="276"/>
+        </pc:sldMkLst>
+        <pc:spChg chg="mod">
+          <ac:chgData name="Srinivasa Rao" userId="a6b54366-f13d-4292-8bb4-f06c50909b1e" providerId="ADAL" clId="{CF7D4108-D40D-A74D-804B-296130AF4168}" dt="2023-10-10T07:57:48.161" v="68" actId="20577"/>
+          <ac:spMkLst>
+            <pc:docMk/>
+            <pc:sldMk cId="0" sldId="276"/>
+            <ac:spMk id="228" creationId="{00000000-0000-0000-0000-000000000000}"/>
+          </ac:spMkLst>
+        </pc:spChg>
+      </pc:sldChg>
+    </pc:docChg>
+  </pc:docChgLst>
 </pc:chgInfo>
 </file>
 
@@ -12729,14 +12729,24 @@
               </a:tabLst>
             </a:pPr>
             <a:r>
-              <a:rPr lang="en-US" sz="3200" b="0" strike="noStrike" spc="-1" dirty="0">
+              <a:rPr lang="en-US" sz="3200" spc="-1" dirty="0">
                 <a:solidFill>
                   <a:srgbClr val="8B8B8B"/>
                 </a:solidFill>
                 <a:latin typeface="Calibri"/>
                 <a:ea typeface="DejaVu Sans"/>
               </a:rPr>
-              <a:t>Trinity 2024</a:t>
+              <a:t>Michaelmas</a:t>
+            </a:r>
+            <a:r>
+              <a:rPr lang="en-US" sz="3200" b="0" strike="noStrike" spc="-1" dirty="0">
+                <a:solidFill>
+                  <a:srgbClr val="8B8B8B"/>
+                </a:solidFill>
+                <a:latin typeface="Calibri"/>
+                <a:ea typeface="DejaVu Sans"/>
+              </a:rPr>
+              <a:t> 2024</a:t>
             </a:r>
             <a:endParaRPr lang="en-GB" sz="3200" b="0" strike="noStrike" spc="-1" dirty="0">
               <a:latin typeface="Arial"/>
@@ -17560,14 +17570,24 @@
               </a:tabLst>
             </a:pPr>
             <a:r>
-              <a:rPr lang="en-US" sz="3200" b="0" strike="noStrike" spc="-1" dirty="0">
+              <a:rPr lang="en-US" sz="3200" spc="-1" dirty="0">
                 <a:solidFill>
                   <a:srgbClr val="8B8B8B"/>
                 </a:solidFill>
                 <a:latin typeface="Calibri"/>
                 <a:ea typeface="DejaVu Sans"/>
               </a:rPr>
-              <a:t>Trinity 2024</a:t>
+              <a:t>Michaelmas</a:t>
+            </a:r>
+            <a:r>
+              <a:rPr lang="en-US" sz="3200" b="0" strike="noStrike" spc="-1" dirty="0">
+                <a:solidFill>
+                  <a:srgbClr val="8B8B8B"/>
+                </a:solidFill>
+                <a:latin typeface="Calibri"/>
+                <a:ea typeface="DejaVu Sans"/>
+              </a:rPr>
+              <a:t> 2024</a:t>
             </a:r>
             <a:endParaRPr lang="en-GB" sz="3200" b="0" strike="noStrike" spc="-1" dirty="0">
               <a:latin typeface="Arial"/>
